--- a/week_1/발표자료/인공지능발표_linearRegression.pptx
+++ b/week_1/발표자료/인공지능발표_linearRegression.pptx
@@ -5,7 +5,7 @@
     <p:sldMasterId id="2147483648" r:id="rId1"/>
   </p:sldMasterIdLst>
   <p:notesMasterIdLst>
-    <p:notesMasterId r:id="rId14"/>
+    <p:notesMasterId r:id="rId15"/>
   </p:notesMasterIdLst>
   <p:sldIdLst>
     <p:sldId id="256" r:id="rId2"/>
@@ -20,6 +20,7 @@
     <p:sldId id="261" r:id="rId11"/>
     <p:sldId id="262" r:id="rId12"/>
     <p:sldId id="263" r:id="rId13"/>
+    <p:sldId id="268" r:id="rId14"/>
   </p:sldIdLst>
   <p:sldSz cx="12192000" cy="6858000"/>
   <p:notesSz cx="6858000" cy="9144000"/>
@@ -118,6 +119,11 @@
       </a:defRPr>
     </a:lvl9pPr>
   </p:defaultTextStyle>
+  <p:extLst>
+    <p:ext uri="{EFAFB233-063F-42B5-8137-9DF3F51BA10A}">
+      <p15:sldGuideLst xmlns:p15="http://schemas.microsoft.com/office/powerpoint/2012/main"/>
+    </p:ext>
+  </p:extLst>
 </p:presentation>
 </file>
 
@@ -4782,6 +4788,182 @@
 </p:sld>
 </file>
 
+<file path=ppt/slides/slide13.xml><?xml version="1.0" encoding="utf-8"?>
+<p:sld xmlns:a="http://schemas.openxmlformats.org/drawingml/2006/main" xmlns:r="http://schemas.openxmlformats.org/officeDocument/2006/relationships" xmlns:p="http://schemas.openxmlformats.org/presentationml/2006/main">
+  <p:cSld>
+    <p:spTree>
+      <p:nvGrpSpPr>
+        <p:cNvPr id="1" name=""/>
+        <p:cNvGrpSpPr/>
+        <p:nvPr/>
+      </p:nvGrpSpPr>
+      <p:grpSpPr>
+        <a:xfrm>
+          <a:off x="0" y="0"/>
+          <a:ext cx="0" cy="0"/>
+          <a:chOff x="0" y="0"/>
+          <a:chExt cx="0" cy="0"/>
+        </a:xfrm>
+      </p:grpSpPr>
+      <p:sp>
+        <p:nvSpPr>
+          <p:cNvPr id="2" name="제목 1">
+            <a:extLst>
+              <a:ext uri="{FF2B5EF4-FFF2-40B4-BE49-F238E27FC236}">
+                <a16:creationId xmlns:a16="http://schemas.microsoft.com/office/drawing/2014/main" id="{7F38E4A8-B1EF-4CE1-BD5D-DBF55DAAB6E9}"/>
+              </a:ext>
+            </a:extLst>
+          </p:cNvPr>
+          <p:cNvSpPr>
+            <a:spLocks noGrp="1"/>
+          </p:cNvSpPr>
+          <p:nvPr>
+            <p:ph type="title"/>
+          </p:nvPr>
+        </p:nvSpPr>
+        <p:spPr/>
+        <p:txBody>
+          <a:bodyPr/>
+          <a:lstStyle/>
+          <a:p>
+            <a:r>
+              <a:rPr lang="ko-KR" altLang="en-US" dirty="0"/>
+              <a:t>실행결과</a:t>
+            </a:r>
+          </a:p>
+        </p:txBody>
+      </p:sp>
+      <p:pic>
+        <p:nvPicPr>
+          <p:cNvPr id="4" name="그림 3">
+            <a:extLst>
+              <a:ext uri="{FF2B5EF4-FFF2-40B4-BE49-F238E27FC236}">
+                <a16:creationId xmlns:a16="http://schemas.microsoft.com/office/drawing/2014/main" id="{CC99E8EE-4210-4E52-B056-F0EC537BAD95}"/>
+              </a:ext>
+            </a:extLst>
+          </p:cNvPr>
+          <p:cNvPicPr>
+            <a:picLocks noChangeAspect="1"/>
+          </p:cNvPicPr>
+          <p:nvPr/>
+        </p:nvPicPr>
+        <p:blipFill>
+          <a:blip r:embed="rId2"/>
+          <a:stretch>
+            <a:fillRect/>
+          </a:stretch>
+        </p:blipFill>
+        <p:spPr>
+          <a:xfrm>
+            <a:off x="1334196" y="2370563"/>
+            <a:ext cx="6293237" cy="3491139"/>
+          </a:xfrm>
+          <a:prstGeom prst="rect">
+            <a:avLst/>
+          </a:prstGeom>
+        </p:spPr>
+      </p:pic>
+      <p:sp>
+        <p:nvSpPr>
+          <p:cNvPr id="5" name="TextBox 4">
+            <a:extLst>
+              <a:ext uri="{FF2B5EF4-FFF2-40B4-BE49-F238E27FC236}">
+                <a16:creationId xmlns:a16="http://schemas.microsoft.com/office/drawing/2014/main" id="{1533313D-9FA7-4B05-90B2-8FBBBF151076}"/>
+              </a:ext>
+            </a:extLst>
+          </p:cNvPr>
+          <p:cNvSpPr txBox="1"/>
+          <p:nvPr/>
+        </p:nvSpPr>
+        <p:spPr>
+          <a:xfrm>
+            <a:off x="2962656" y="1690688"/>
+            <a:ext cx="3993401" cy="369332"/>
+          </a:xfrm>
+          <a:prstGeom prst="rect">
+            <a:avLst/>
+          </a:prstGeom>
+          <a:noFill/>
+        </p:spPr>
+        <p:txBody>
+          <a:bodyPr wrap="none" rtlCol="0">
+            <a:spAutoFit/>
+          </a:bodyPr>
+          <a:lstStyle/>
+          <a:p>
+            <a:r>
+              <a:rPr lang="en-US" altLang="ko-KR"/>
+              <a:t>W                   b                  cost</a:t>
+            </a:r>
+            <a:endParaRPr lang="ko-KR" altLang="en-US" dirty="0"/>
+          </a:p>
+        </p:txBody>
+      </p:sp>
+      <p:sp>
+        <p:nvSpPr>
+          <p:cNvPr id="8" name="화살표: 아래쪽 7">
+            <a:extLst>
+              <a:ext uri="{FF2B5EF4-FFF2-40B4-BE49-F238E27FC236}">
+                <a16:creationId xmlns:a16="http://schemas.microsoft.com/office/drawing/2014/main" id="{1FAE0557-8789-4F9D-A7AF-53CE3ECE49B8}"/>
+              </a:ext>
+            </a:extLst>
+          </p:cNvPr>
+          <p:cNvSpPr/>
+          <p:nvPr/>
+        </p:nvSpPr>
+        <p:spPr>
+          <a:xfrm>
+            <a:off x="8851392" y="2587752"/>
+            <a:ext cx="457200" cy="2944368"/>
+          </a:xfrm>
+          <a:prstGeom prst="downArrow">
+            <a:avLst/>
+          </a:prstGeom>
+          <a:solidFill>
+            <a:srgbClr val="FF0000"/>
+          </a:solidFill>
+          <a:ln>
+            <a:noFill/>
+          </a:ln>
+        </p:spPr>
+        <p:style>
+          <a:lnRef idx="2">
+            <a:schemeClr val="accent1">
+              <a:shade val="50000"/>
+            </a:schemeClr>
+          </a:lnRef>
+          <a:fillRef idx="1">
+            <a:schemeClr val="accent1"/>
+          </a:fillRef>
+          <a:effectRef idx="0">
+            <a:schemeClr val="accent1"/>
+          </a:effectRef>
+          <a:fontRef idx="minor">
+            <a:schemeClr val="lt1"/>
+          </a:fontRef>
+        </p:style>
+        <p:txBody>
+          <a:bodyPr rtlCol="0" anchor="ctr"/>
+          <a:lstStyle/>
+          <a:p>
+            <a:pPr algn="ctr"/>
+            <a:endParaRPr lang="ko-KR" altLang="en-US"/>
+          </a:p>
+        </p:txBody>
+      </p:sp>
+    </p:spTree>
+    <p:extLst>
+      <p:ext uri="{BB962C8B-B14F-4D97-AF65-F5344CB8AC3E}">
+        <p14:creationId xmlns:p14="http://schemas.microsoft.com/office/powerpoint/2010/main" val="1336595295"/>
+      </p:ext>
+    </p:extLst>
+  </p:cSld>
+  <p:clrMapOvr>
+    <a:masterClrMapping/>
+  </p:clrMapOvr>
+</p:sld>
+</file>
+
 <file path=ppt/slides/slide2.xml><?xml version="1.0" encoding="utf-8"?>
 <p:sld xmlns:a="http://schemas.openxmlformats.org/drawingml/2006/main" xmlns:r="http://schemas.openxmlformats.org/officeDocument/2006/relationships" xmlns:p="http://schemas.openxmlformats.org/presentationml/2006/main">
   <p:cSld>
@@ -5897,7 +6079,7 @@
         <p:spPr>
           <a:xfrm>
             <a:off x="9116014" y="3518496"/>
-            <a:ext cx="1678986" cy="461665"/>
+            <a:ext cx="1611660" cy="461665"/>
           </a:xfrm>
           <a:prstGeom prst="rect">
             <a:avLst/>
@@ -5916,7 +6098,7 @@
                   <a:schemeClr val="accent1"/>
                 </a:solidFill>
               </a:rPr>
-              <a:t>W,,b</a:t>
+              <a:t>W,b</a:t>
             </a:r>
             <a:r>
               <a:rPr lang="en-US" altLang="ko-KR" sz="2400" dirty="0">
@@ -6489,69 +6671,6 @@
           </a:fontRef>
         </p:style>
       </p:cxnSp>
-      <p:sp>
-        <p:nvSpPr>
-          <p:cNvPr id="23" name="TextBox 22">
-            <a:extLst>
-              <a:ext uri="{FF2B5EF4-FFF2-40B4-BE49-F238E27FC236}">
-                <a16:creationId xmlns:a16="http://schemas.microsoft.com/office/drawing/2014/main" id="{C7908330-B11C-402C-9539-CBB4B070CB51}"/>
-              </a:ext>
-            </a:extLst>
-          </p:cNvPr>
-          <p:cNvSpPr txBox="1"/>
-          <p:nvPr/>
-        </p:nvSpPr>
-        <p:spPr>
-          <a:xfrm>
-            <a:off x="6441371" y="1645339"/>
-            <a:ext cx="1611660" cy="461665"/>
-          </a:xfrm>
-          <a:prstGeom prst="rect">
-            <a:avLst/>
-          </a:prstGeom>
-          <a:noFill/>
-        </p:spPr>
-        <p:txBody>
-          <a:bodyPr wrap="none" rtlCol="0">
-            <a:spAutoFit/>
-          </a:bodyPr>
-          <a:lstStyle/>
-          <a:p>
-            <a:r>
-              <a:rPr lang="en-US" altLang="ko-KR" sz="2400">
-                <a:solidFill>
-                  <a:schemeClr val="accent1"/>
-                </a:solidFill>
-              </a:rPr>
-              <a:t>W,</a:t>
-            </a:r>
-            <a:r>
-              <a:rPr lang="en-US" altLang="ko-KR" sz="2400" dirty="0" err="1">
-                <a:solidFill>
-                  <a:schemeClr val="accent1"/>
-                </a:solidFill>
-              </a:rPr>
-              <a:t>b</a:t>
-            </a:r>
-            <a:r>
-              <a:rPr lang="en-US" altLang="ko-KR" sz="2400" dirty="0">
-                <a:solidFill>
-                  <a:schemeClr val="accent1"/>
-                </a:solidFill>
-              </a:rPr>
-              <a:t> : </a:t>
-            </a:r>
-            <a:r>
-              <a:rPr lang="ko-KR" altLang="en-US" sz="2400" dirty="0">
-                <a:solidFill>
-                  <a:schemeClr val="accent1"/>
-                </a:solidFill>
-              </a:rPr>
-              <a:t>변수</a:t>
-            </a:r>
-          </a:p>
-        </p:txBody>
-      </p:sp>
       <p:sp>
         <p:nvSpPr>
           <p:cNvPr id="24" name="TextBox 23">
